--- a/slides/Introduction to Containers.pptx
+++ b/slides/Introduction to Containers.pptx
@@ -5,7 +5,7 @@
     <p:sldMasterId id="2147483648" r:id="rId1"/>
   </p:sldMasterIdLst>
   <p:notesMasterIdLst>
-    <p:notesMasterId r:id="rId12"/>
+    <p:notesMasterId r:id="rId13"/>
   </p:notesMasterIdLst>
   <p:sldIdLst>
     <p:sldId id="256" r:id="rId2"/>
@@ -18,6 +18,7 @@
     <p:sldId id="258" r:id="rId9"/>
     <p:sldId id="264" r:id="rId10"/>
     <p:sldId id="265" r:id="rId11"/>
+    <p:sldId id="266" r:id="rId12"/>
   </p:sldIdLst>
   <p:sldSz cx="12192000" cy="6858000"/>
   <p:notesSz cx="6858000" cy="9144000"/>
@@ -119,6 +120,9 @@
   <p:extLst>
     <p:ext uri="{EFAFB233-063F-42B5-8137-9DF3F51BA10A}">
       <p15:sldGuideLst xmlns:p15="http://schemas.microsoft.com/office/powerpoint/2012/main"/>
+    </p:ext>
+    <p:ext uri="{2D200454-40CA-4A62-9FC3-DE9A4176ACB9}">
+      <p15:notesGuideLst xmlns:p15="http://schemas.microsoft.com/office/powerpoint/2012/main"/>
     </p:ext>
   </p:extLst>
 </p:presentation>
@@ -532,11 +536,7 @@
           <a:p>
             <a:r>
               <a:rPr lang="en-US" baseline="0" dirty="0" smtClean="0"/>
-              <a:t>I am a husband and father of two boys</a:t>
-            </a:r>
-            <a:r>
-              <a:rPr lang="en-US" baseline="0" dirty="0" smtClean="0"/>
-              <a:t>.</a:t>
+              <a:t>I am a husband and father of two boys.</a:t>
             </a:r>
           </a:p>
           <a:p>
@@ -732,19 +732,7 @@
                 <a:ea typeface="+mn-ea"/>
                 <a:cs typeface="+mn-cs"/>
               </a:rPr>
-              <a:t>A </a:t>
-            </a:r>
-            <a:r>
-              <a:rPr lang="en-US" sz="1200" b="0" i="0" kern="1200" dirty="0" smtClean="0">
-                <a:solidFill>
-                  <a:schemeClr val="tx1"/>
-                </a:solidFill>
-                <a:effectLst/>
-                <a:latin typeface="+mn-lt"/>
-                <a:ea typeface="+mn-ea"/>
-                <a:cs typeface="+mn-cs"/>
-              </a:rPr>
-              <a:t>container image is a lightweight, stand-alone, executable package of a piece of software that includes everything needed to run it: code, runtime, system tools, system libraries, settings. Available for both Linux and Windows based apps, containerized software will always run the same, regardless of the environment. Containers isolate software from its surroundings, for example differences between development and staging environments and help reduce conflicts between teams running different software on the same infrastructure.</a:t>
+              <a:t>A container image is a lightweight, stand-alone, executable package of a piece of software that includes everything needed to run it: code, runtime, system tools, system libraries, settings. Available for both Linux and Windows based apps, containerized software will always run the same, regardless of the environment. Containers isolate software from its surroundings, for example differences between development and staging environments and help reduce conflicts between teams running different software on the same infrastructure.</a:t>
             </a:r>
           </a:p>
           <a:p>
@@ -905,21 +893,13 @@
             </a:r>
             <a:r>
               <a:rPr lang="en-US" baseline="0" dirty="0" smtClean="0"/>
-              <a:t> – Change root directory of a process and its </a:t>
-            </a:r>
+              <a:t> – Change root directory of a process and its children. The process cannot access files outside of the designated directory tree.</a:t>
+            </a:r>
+          </a:p>
+          <a:p>
             <a:r>
               <a:rPr lang="en-US" baseline="0" dirty="0" smtClean="0"/>
-              <a:t>children. The process cannot access files outside of the designated directory tree.</a:t>
-            </a:r>
-          </a:p>
-          <a:p>
-            <a:r>
-              <a:rPr lang="en-US" baseline="0" dirty="0" smtClean="0"/>
-              <a:t>2000</a:t>
-            </a:r>
-            <a:r>
-              <a:rPr lang="en-US" baseline="0" dirty="0" smtClean="0"/>
-              <a:t>: FreeBSD Jails – Partitioned a FreeBSD computer system into several independent, smaller systems with ability to assign an IP address for each system and configuration.</a:t>
+              <a:t>2000: FreeBSD Jails – Partitioned a FreeBSD computer system into several independent, smaller systems with ability to assign an IP address for each system and configuration.</a:t>
             </a:r>
           </a:p>
           <a:p>
@@ -953,11 +933,7 @@
           <a:p>
             <a:r>
               <a:rPr lang="en-US" dirty="0" smtClean="0"/>
-              <a:t>2006: </a:t>
-            </a:r>
-            <a:r>
-              <a:rPr lang="en-US" dirty="0" smtClean="0"/>
-              <a:t>Process Containers – Launched by Google</a:t>
+              <a:t>2006: Process Containers – Launched by Google</a:t>
             </a:r>
             <a:r>
               <a:rPr lang="en-US" baseline="0" dirty="0" smtClean="0"/>
@@ -969,11 +945,7 @@
             </a:r>
             <a:r>
               <a:rPr lang="en-US" baseline="0" dirty="0" smtClean="0"/>
-              <a:t>, and isolating resource usage of a collection of processes. Renamed Control Groups and eventually merged into Linux kernel</a:t>
-            </a:r>
-            <a:r>
-              <a:rPr lang="en-US" baseline="0" dirty="0" smtClean="0"/>
-              <a:t>.</a:t>
+              <a:t>, and isolating resource usage of a collection of processes. Renamed Control Groups and eventually merged into Linux kernel.</a:t>
             </a:r>
           </a:p>
           <a:p>
@@ -989,7 +961,6 @@
               <a:rPr lang="en-US" baseline="0" dirty="0" smtClean="0"/>
               <a:t> and Linux namespaces.</a:t>
             </a:r>
-            <a:endParaRPr lang="en-US" baseline="0" dirty="0" smtClean="0"/>
           </a:p>
           <a:p>
             <a:endParaRPr lang="en-US" dirty="0"/>
@@ -1070,11 +1041,7 @@
             </a:r>
             <a:r>
               <a:rPr lang="en-US" baseline="0" dirty="0" smtClean="0"/>
-              <a:t> scalability</a:t>
-            </a:r>
-            <a:r>
-              <a:rPr lang="en-US" baseline="0" dirty="0" smtClean="0"/>
-              <a:t>.</a:t>
+              <a:t> scalability.</a:t>
             </a:r>
           </a:p>
           <a:p>
@@ -7197,6 +7164,66 @@
   <p:clrMapOvr>
     <a:masterClrMapping/>
   </p:clrMapOvr>
+  <p:timing>
+    <p:tnLst>
+      <p:par>
+        <p:cTn id="1" dur="indefinite" restart="never" nodeType="tmRoot"/>
+      </p:par>
+    </p:tnLst>
+  </p:timing>
+</p:sld>
+</file>
+
+<file path=ppt/slides/slide11.xml><?xml version="1.0" encoding="utf-8"?>
+<p:sld xmlns:a="http://schemas.openxmlformats.org/drawingml/2006/main" xmlns:r="http://schemas.openxmlformats.org/officeDocument/2006/relationships" xmlns:p="http://schemas.openxmlformats.org/presentationml/2006/main">
+  <p:cSld>
+    <p:spTree>
+      <p:nvGrpSpPr>
+        <p:cNvPr id="1" name=""/>
+        <p:cNvGrpSpPr/>
+        <p:nvPr/>
+      </p:nvGrpSpPr>
+      <p:grpSpPr>
+        <a:xfrm>
+          <a:off x="0" y="0"/>
+          <a:ext cx="0" cy="0"/>
+          <a:chOff x="0" y="0"/>
+          <a:chExt cx="0" cy="0"/>
+        </a:xfrm>
+      </p:grpSpPr>
+      <p:sp>
+        <p:nvSpPr>
+          <p:cNvPr id="2" name="Title 1"/>
+          <p:cNvSpPr>
+            <a:spLocks noGrp="1"/>
+          </p:cNvSpPr>
+          <p:nvPr>
+            <p:ph type="title"/>
+          </p:nvPr>
+        </p:nvSpPr>
+        <p:spPr/>
+        <p:txBody>
+          <a:bodyPr/>
+          <a:lstStyle/>
+          <a:p>
+            <a:r>
+              <a:rPr lang="en-US" smtClean="0"/>
+              <a:t>Questions?</a:t>
+            </a:r>
+            <a:endParaRPr lang="en-US"/>
+          </a:p>
+        </p:txBody>
+      </p:sp>
+    </p:spTree>
+    <p:extLst>
+      <p:ext uri="{BB962C8B-B14F-4D97-AF65-F5344CB8AC3E}">
+        <p14:creationId xmlns:p14="http://schemas.microsoft.com/office/powerpoint/2010/main" val="4181009109"/>
+      </p:ext>
+    </p:extLst>
+  </p:cSld>
+  <p:clrMapOvr>
+    <a:masterClrMapping/>
+  </p:clrMapOvr>
 </p:sld>
 </file>
 
@@ -7638,6 +7665,13 @@
   <p:clrMapOvr>
     <a:masterClrMapping/>
   </p:clrMapOvr>
+  <p:timing>
+    <p:tnLst>
+      <p:par>
+        <p:cTn id="1" dur="indefinite" restart="never" nodeType="tmRoot"/>
+      </p:par>
+    </p:tnLst>
+  </p:timing>
 </p:sld>
 </file>
 
@@ -7696,11 +7730,6 @@
               </a:rPr>
               <a:t>Linux or Windows, but not both</a:t>
             </a:r>
-            <a:endParaRPr lang="en-US" dirty="0" smtClean="0">
-              <a:solidFill>
-                <a:schemeClr val="tx1"/>
-              </a:solidFill>
-            </a:endParaRPr>
           </a:p>
           <a:p>
             <a:r>
@@ -7789,6 +7818,13 @@
   <p:clrMapOvr>
     <a:masterClrMapping/>
   </p:clrMapOvr>
+  <p:timing>
+    <p:tnLst>
+      <p:par>
+        <p:cTn id="1" dur="indefinite" restart="never" nodeType="tmRoot"/>
+      </p:par>
+    </p:tnLst>
+  </p:timing>
 </p:sld>
 </file>
 
@@ -7842,6 +7878,13 @@
   <p:clrMapOvr>
     <a:masterClrMapping/>
   </p:clrMapOvr>
+  <p:timing>
+    <p:tnLst>
+      <p:par>
+        <p:cTn id="1" dur="indefinite" restart="never" nodeType="tmRoot"/>
+      </p:par>
+    </p:tnLst>
+  </p:timing>
 </p:sld>
 </file>
 
